--- a/Cycle1DOC/CycleOnePresentation.pptx
+++ b/Cycle1DOC/CycleOnePresentation.pptx
@@ -3781,7 +3781,7 @@
             </a:r>
             <a:r>
               <a:rPr lang="en-US" dirty="0" smtClean="0"/>
-              <a:t>Demoed our product and were valuable feedback</a:t>
+              <a:t>Demoed our product and received valuable feedback</a:t>
             </a:r>
             <a:endParaRPr lang="en-US" dirty="0"/>
           </a:p>
@@ -3884,6 +3884,13 @@
             <a:r>
               <a:rPr lang="en-US" dirty="0" smtClean="0"/>
               <a:t>Reservation Grouping also crucial</a:t>
+            </a:r>
+          </a:p>
+          <a:p>
+            <a:pPr lvl="1"/>
+            <a:r>
+              <a:rPr lang="en-US" dirty="0" smtClean="0"/>
+              <a:t>New Form added to requirements</a:t>
             </a:r>
             <a:endParaRPr lang="en-US" dirty="0" smtClean="0"/>
           </a:p>
@@ -4122,35 +4129,19 @@
           <a:p>
             <a:r>
               <a:rPr lang="en-US" dirty="0" smtClean="0"/>
-              <a:t>Set up DB schema’s</a:t>
-            </a:r>
-          </a:p>
-          <a:p>
-            <a:r>
-              <a:rPr lang="en-US" dirty="0" smtClean="0"/>
-              <a:t>Create PHP code to auto-fill Forms</a:t>
-            </a:r>
-          </a:p>
-          <a:p>
-            <a:r>
-              <a:rPr lang="en-US" dirty="0" smtClean="0"/>
-              <a:t>Keep track of Car Availability </a:t>
-            </a:r>
-          </a:p>
-          <a:p>
-            <a:r>
-              <a:rPr lang="en-US" dirty="0" smtClean="0"/>
-              <a:t>Implement Car Availability Viewing Technique</a:t>
-            </a:r>
-          </a:p>
-          <a:p>
-            <a:pPr lvl="1"/>
-            <a:r>
-              <a:rPr lang="en-US" dirty="0" smtClean="0"/>
-              <a:t>Many options</a:t>
-            </a:r>
-          </a:p>
-          <a:p>
+              <a:t>Auto-fill Forms</a:t>
+            </a:r>
+            <a:endParaRPr lang="en-US" dirty="0"/>
+          </a:p>
+          <a:p>
+            <a:r>
+              <a:rPr lang="en-US" dirty="0" smtClean="0"/>
+              <a:t>Save </a:t>
+            </a:r>
+            <a:r>
+              <a:rPr lang="en-US" smtClean="0"/>
+              <a:t>Form information</a:t>
+            </a:r>
             <a:endParaRPr lang="en-US" dirty="0" smtClean="0"/>
           </a:p>
         </p:txBody>
@@ -4227,7 +4218,7 @@
           <a:p>
             <a:r>
               <a:rPr lang="en-US" dirty="0" smtClean="0"/>
-              <a:t>Product Specifications (1)</a:t>
+              <a:t>Product Specifications </a:t>
             </a:r>
           </a:p>
           <a:p>
@@ -4396,7 +4387,15 @@
             <a:pPr lvl="1"/>
             <a:r>
               <a:rPr lang="en-US" dirty="0" smtClean="0"/>
-              <a:t>Create Print Out Form</a:t>
+              <a:t>Create </a:t>
+            </a:r>
+            <a:r>
+              <a:rPr lang="en-US" dirty="0" smtClean="0"/>
+              <a:t>Driver Information </a:t>
+            </a:r>
+            <a:r>
+              <a:rPr lang="en-US" dirty="0" smtClean="0"/>
+              <a:t>Form</a:t>
             </a:r>
           </a:p>
           <a:p>
@@ -4926,13 +4925,13 @@
           <a:p>
             <a:r>
               <a:rPr lang="en-US" dirty="0" smtClean="0"/>
-              <a:t>Time Management</a:t>
-            </a:r>
-          </a:p>
-          <a:p>
-            <a:r>
-              <a:rPr lang="en-US" dirty="0" smtClean="0"/>
-              <a:t>Database Access</a:t>
+              <a:t>Sponsor Communication</a:t>
+            </a:r>
+          </a:p>
+          <a:p>
+            <a:r>
+              <a:rPr lang="en-US" dirty="0" smtClean="0"/>
+              <a:t>Calendar Library Navigation</a:t>
             </a:r>
             <a:endParaRPr lang="en-US" dirty="0" smtClean="0"/>
           </a:p>
@@ -5146,7 +5145,11 @@
           <a:p>
             <a:r>
               <a:rPr lang="en-US" dirty="0" smtClean="0"/>
-              <a:t>Print Off Form Design</a:t>
+              <a:t>Driver Information</a:t>
+            </a:r>
+            <a:r>
+              <a:rPr lang="en-US" dirty="0" smtClean="0"/>
+              <a:t> Form Design</a:t>
             </a:r>
             <a:endParaRPr lang="en-US" dirty="0"/>
           </a:p>
@@ -5191,13 +5194,21 @@
             <a:pPr lvl="2"/>
             <a:r>
               <a:rPr lang="en-US" dirty="0"/>
-              <a:t>i.e. Print Off Form</a:t>
-            </a:r>
-          </a:p>
-          <a:p>
-            <a:r>
-              <a:rPr lang="en-US" dirty="0" smtClean="0"/>
-              <a:t>Print Off Form Specs:</a:t>
+              <a:t>i.e. </a:t>
+            </a:r>
+            <a:r>
+              <a:rPr lang="en-US" dirty="0" smtClean="0"/>
+              <a:t>Driver Information </a:t>
+            </a:r>
+            <a:r>
+              <a:rPr lang="en-US" dirty="0"/>
+              <a:t>Form</a:t>
+            </a:r>
+          </a:p>
+          <a:p>
+            <a:r>
+              <a:rPr lang="en-US" dirty="0" smtClean="0"/>
+              <a:t>Driver Information Form Specs:</a:t>
             </a:r>
           </a:p>
           <a:p>
